--- a/Marwick_Kretzler_Whittaker_SAA2015.pptx
+++ b/Marwick_Kretzler_Whittaker_SAA2015.pptx
@@ -4646,8 +4646,8 @@
         </p:nvSpPr>
         <p:spPr>
           <a:xfrm>
-            <a:off x="179512" y="194111"/>
-            <a:ext cx="8784976" cy="7355860"/>
+            <a:off x="179512" y="116632"/>
+            <a:ext cx="8784976" cy="6740307"/>
           </a:xfrm>
           <a:prstGeom prst="rect">
             <a:avLst/>
@@ -4763,33 +4763,81 @@
             </a:endParaRPr>
           </a:p>
           <a:p>
-            <a:pPr marL="914400" indent="-914400">
-              <a:buFont typeface="+mj-lt"/>
-              <a:buAutoNum type="arabicPeriod"/>
-            </a:pPr>
-            <a:endParaRPr lang="en-US" sz="4000" dirty="0" smtClean="0">
+            <a:r>
+              <a:rPr lang="en-US" sz="4000" dirty="0">
+                <a:solidFill>
+                  <a:schemeClr val="bg1"/>
+                </a:solidFill>
+              </a:rPr>
+              <a:t/>
+            </a:r>
+            <a:br>
+              <a:rPr lang="en-US" sz="4000" dirty="0">
+                <a:solidFill>
+                  <a:schemeClr val="bg1"/>
+                </a:solidFill>
+              </a:rPr>
+            </a:br>
+            <a:r>
+              <a:rPr lang="en-US" sz="1600" dirty="0" smtClean="0">
+                <a:solidFill>
+                  <a:schemeClr val="bg1"/>
+                </a:solidFill>
+              </a:rPr>
+              <a:t>All </a:t>
+            </a:r>
+            <a:r>
+              <a:rPr lang="en-US" sz="1600" dirty="0" smtClean="0">
+                <a:solidFill>
+                  <a:schemeClr val="bg1"/>
+                </a:solidFill>
+              </a:rPr>
+              <a:t>data and code are freely </a:t>
+            </a:r>
+            <a:r>
+              <a:rPr lang="en-US" sz="1600" dirty="0">
+                <a:solidFill>
+                  <a:schemeClr val="bg1"/>
+                </a:solidFill>
+              </a:rPr>
+              <a:t>available at </a:t>
+            </a:r>
+            <a:r>
+              <a:rPr lang="en-US" sz="1600" dirty="0" smtClean="0">
+                <a:solidFill>
+                  <a:schemeClr val="bg1"/>
+                </a:solidFill>
+              </a:rPr>
+              <a:t/>
+            </a:r>
+            <a:br>
+              <a:rPr lang="en-US" sz="1600" dirty="0" smtClean="0">
+                <a:solidFill>
+                  <a:schemeClr val="bg1"/>
+                </a:solidFill>
+              </a:rPr>
+            </a:br>
+            <a:r>
+              <a:rPr lang="en-US" sz="1600" dirty="0" smtClean="0">
+                <a:solidFill>
+                  <a:schemeClr val="bg1"/>
+                </a:solidFill>
+              </a:rPr>
+              <a:t>https</a:t>
+            </a:r>
+            <a:r>
+              <a:rPr lang="en-US" sz="1600" dirty="0">
+                <a:solidFill>
+                  <a:schemeClr val="bg1"/>
+                </a:solidFill>
+              </a:rPr>
+              <a:t>://github.com/benmarwick/SAA2015-Macroanalysis-Marwick_Kretzler_Whittaker</a:t>
+            </a:r>
+            <a:endParaRPr lang="en-US" sz="1600" dirty="0">
               <a:solidFill>
                 <a:schemeClr val="bg1"/>
               </a:solidFill>
             </a:endParaRPr>
-          </a:p>
-          <a:p>
-            <a:r>
-              <a:rPr lang="en-US" sz="3600" dirty="0" smtClean="0">
-                <a:solidFill>
-                  <a:schemeClr val="bg1"/>
-                </a:solidFill>
-              </a:rPr>
-              <a:t>All data and code are freely </a:t>
-            </a:r>
-            <a:r>
-              <a:rPr lang="en-US" sz="3600" dirty="0">
-                <a:solidFill>
-                  <a:schemeClr val="bg1"/>
-                </a:solidFill>
-              </a:rPr>
-              <a:t>available at https://github.com/benmarwick</a:t>
-            </a:r>
           </a:p>
         </p:txBody>
       </p:sp>
